--- a/DS103-4.pptx
+++ b/DS103-4.pptx
@@ -6507,7 +6507,7 @@
           <a:p>
             <a:fld id="{B656F5D4-59A6-4835-B8E1-FEE475550B2F}" type="datetimeFigureOut">
               <a:rPr lang="en-US" smtClean="0"/>
-              <a:t>2020-11-05</a:t>
+              <a:t>2020-11-26</a:t>
             </a:fld>
             <a:endParaRPr lang="en-US"/>
           </a:p>
@@ -7089,7 +7089,7 @@
           <a:p>
             <a:fld id="{A1927168-93E5-4C47-869C-987DB890A332}" type="datetimeFigureOut">
               <a:rPr lang="en-US" smtClean="0"/>
-              <a:t>2020-11-05</a:t>
+              <a:t>2020-11-26</a:t>
             </a:fld>
             <a:endParaRPr lang="en-US"/>
           </a:p>
@@ -7287,7 +7287,7 @@
           <a:p>
             <a:fld id="{A1927168-93E5-4C47-869C-987DB890A332}" type="datetimeFigureOut">
               <a:rPr lang="en-US" smtClean="0"/>
-              <a:t>2020-11-05</a:t>
+              <a:t>2020-11-26</a:t>
             </a:fld>
             <a:endParaRPr lang="en-US"/>
           </a:p>
@@ -7495,7 +7495,7 @@
           <a:p>
             <a:fld id="{A1927168-93E5-4C47-869C-987DB890A332}" type="datetimeFigureOut">
               <a:rPr lang="en-US" smtClean="0"/>
-              <a:t>2020-11-05</a:t>
+              <a:t>2020-11-26</a:t>
             </a:fld>
             <a:endParaRPr lang="en-US"/>
           </a:p>
@@ -7698,7 +7698,7 @@
           <a:p>
             <a:fld id="{A1927168-93E5-4C47-869C-987DB890A332}" type="datetimeFigureOut">
               <a:rPr lang="en-US" smtClean="0"/>
-              <a:t>2020-11-05</a:t>
+              <a:t>2020-11-26</a:t>
             </a:fld>
             <a:endParaRPr lang="en-US"/>
           </a:p>
@@ -8018,7 +8018,7 @@
           <a:p>
             <a:fld id="{A1927168-93E5-4C47-869C-987DB890A332}" type="datetimeFigureOut">
               <a:rPr lang="en-US" smtClean="0"/>
-              <a:t>2020-11-05</a:t>
+              <a:t>2020-11-26</a:t>
             </a:fld>
             <a:endParaRPr lang="en-US"/>
           </a:p>
@@ -8283,7 +8283,7 @@
           <a:p>
             <a:fld id="{A1927168-93E5-4C47-869C-987DB890A332}" type="datetimeFigureOut">
               <a:rPr lang="en-US" smtClean="0"/>
-              <a:t>2020-11-05</a:t>
+              <a:t>2020-11-26</a:t>
             </a:fld>
             <a:endParaRPr lang="en-US"/>
           </a:p>
@@ -8695,7 +8695,7 @@
           <a:p>
             <a:fld id="{A1927168-93E5-4C47-869C-987DB890A332}" type="datetimeFigureOut">
               <a:rPr lang="en-US" smtClean="0"/>
-              <a:t>2020-11-05</a:t>
+              <a:t>2020-11-26</a:t>
             </a:fld>
             <a:endParaRPr lang="en-US"/>
           </a:p>
@@ -8836,7 +8836,7 @@
           <a:p>
             <a:fld id="{A1927168-93E5-4C47-869C-987DB890A332}" type="datetimeFigureOut">
               <a:rPr lang="en-US" smtClean="0"/>
-              <a:t>2020-11-05</a:t>
+              <a:t>2020-11-26</a:t>
             </a:fld>
             <a:endParaRPr lang="en-US"/>
           </a:p>
@@ -8949,7 +8949,7 @@
           <a:p>
             <a:fld id="{A1927168-93E5-4C47-869C-987DB890A332}" type="datetimeFigureOut">
               <a:rPr lang="en-US" smtClean="0"/>
-              <a:t>2020-11-05</a:t>
+              <a:t>2020-11-26</a:t>
             </a:fld>
             <a:endParaRPr lang="en-US"/>
           </a:p>
@@ -9260,7 +9260,7 @@
           <a:p>
             <a:fld id="{A1927168-93E5-4C47-869C-987DB890A332}" type="datetimeFigureOut">
               <a:rPr lang="en-US" smtClean="0"/>
-              <a:t>2020-11-05</a:t>
+              <a:t>2020-11-26</a:t>
             </a:fld>
             <a:endParaRPr lang="en-US"/>
           </a:p>
@@ -9548,7 +9548,7 @@
           <a:p>
             <a:fld id="{A1927168-93E5-4C47-869C-987DB890A332}" type="datetimeFigureOut">
               <a:rPr lang="en-US" smtClean="0"/>
-              <a:t>2020-11-05</a:t>
+              <a:t>2020-11-26</a:t>
             </a:fld>
             <a:endParaRPr lang="en-US"/>
           </a:p>
@@ -9795,7 +9795,7 @@
           <a:p>
             <a:fld id="{A1927168-93E5-4C47-869C-987DB890A332}" type="datetimeFigureOut">
               <a:rPr lang="en-US" smtClean="0"/>
-              <a:t>2020-11-05</a:t>
+              <a:t>2020-11-26</a:t>
             </a:fld>
             <a:endParaRPr lang="en-US"/>
           </a:p>
@@ -11016,7 +11016,23 @@
             </a:pPr>
             <a:r>
               <a:rPr lang="en-US" dirty="0"/>
-              <a:t>Ap. with x1 sqm and x2 rooms in neighbor. A costs  Y</a:t>
+              <a:t>Ap. with X</a:t>
+            </a:r>
+            <a:r>
+              <a:rPr lang="en-US" baseline="-25000" dirty="0"/>
+              <a:t>1</a:t>
+            </a:r>
+            <a:r>
+              <a:rPr lang="en-US" dirty="0"/>
+              <a:t> sqm and X</a:t>
+            </a:r>
+            <a:r>
+              <a:rPr lang="en-US" baseline="-25000" dirty="0"/>
+              <a:t>2</a:t>
+            </a:r>
+            <a:r>
+              <a:rPr lang="en-US" dirty="0"/>
+              <a:t> rooms in neighbor. A costs  Y</a:t>
             </a:r>
           </a:p>
           <a:p>
@@ -11029,7 +11045,23 @@
             </a:pPr>
             <a:r>
               <a:rPr lang="en-US" dirty="0"/>
-              <a:t>Ap. with approx. x1 sqm and approx. x2 rooms in neighbor. B costs  Y-/+eps</a:t>
+              <a:t>Ap. with approx. X</a:t>
+            </a:r>
+            <a:r>
+              <a:rPr lang="en-US" baseline="-25000" dirty="0"/>
+              <a:t>1</a:t>
+            </a:r>
+            <a:r>
+              <a:rPr lang="en-US" dirty="0"/>
+              <a:t> sqm and approx. X</a:t>
+            </a:r>
+            <a:r>
+              <a:rPr lang="en-US" baseline="-25000" dirty="0"/>
+              <a:t>2</a:t>
+            </a:r>
+            <a:r>
+              <a:rPr lang="en-US" dirty="0"/>
+              <a:t> rooms in neighbor. B costs  Y-/+eps</a:t>
             </a:r>
           </a:p>
           <a:p>
@@ -11042,7 +11074,23 @@
             </a:pPr>
             <a:r>
               <a:rPr lang="en-US" dirty="0"/>
-              <a:t>Ap. with k1 sqm and k2 rooms in neighbor. C costs  S</a:t>
+              <a:t>Ap. with K</a:t>
+            </a:r>
+            <a:r>
+              <a:rPr lang="en-US" baseline="-25000" dirty="0"/>
+              <a:t>1</a:t>
+            </a:r>
+            <a:r>
+              <a:rPr lang="en-US" dirty="0"/>
+              <a:t> sqm and K</a:t>
+            </a:r>
+            <a:r>
+              <a:rPr lang="en-US" baseline="-25000" dirty="0"/>
+              <a:t>2</a:t>
+            </a:r>
+            <a:r>
+              <a:rPr lang="en-US" dirty="0"/>
+              <a:t> rooms in neighbor. C costs  S</a:t>
             </a:r>
           </a:p>
           <a:p>
@@ -11055,7 +11103,23 @@
             </a:pPr>
             <a:r>
               <a:rPr lang="en-US" dirty="0"/>
-              <a:t>Ap. with approx. k1 sqm and approx. k2 rooms in neighbor. D costs  S-/+eps</a:t>
+              <a:t>Ap. with approx. K</a:t>
+            </a:r>
+            <a:r>
+              <a:rPr lang="en-US" baseline="-25000" dirty="0"/>
+              <a:t>1</a:t>
+            </a:r>
+            <a:r>
+              <a:rPr lang="en-US" dirty="0"/>
+              <a:t> sqm and approx. K</a:t>
+            </a:r>
+            <a:r>
+              <a:rPr lang="en-US" baseline="-25000" dirty="0"/>
+              <a:t>2</a:t>
+            </a:r>
+            <a:r>
+              <a:rPr lang="en-US" dirty="0"/>
+              <a:t> rooms in neighbor. D costs  S-/+eps</a:t>
             </a:r>
           </a:p>
           <a:p>
